--- a/_PowerPoints/M-F Effect Estimate Comparison.pptx
+++ b/_PowerPoints/M-F Effect Estimate Comparison.pptx
@@ -7,15 +7,22 @@
   <p:sldIdLst>
     <p:sldId id="256" r:id="rId2"/>
     <p:sldId id="257" r:id="rId3"/>
-    <p:sldId id="258" r:id="rId4"/>
-    <p:sldId id="259" r:id="rId5"/>
-    <p:sldId id="260" r:id="rId6"/>
-    <p:sldId id="261" r:id="rId7"/>
-    <p:sldId id="262" r:id="rId8"/>
-    <p:sldId id="263" r:id="rId9"/>
-    <p:sldId id="265" r:id="rId10"/>
-    <p:sldId id="264" r:id="rId11"/>
-    <p:sldId id="266" r:id="rId12"/>
+    <p:sldId id="267" r:id="rId4"/>
+    <p:sldId id="258" r:id="rId5"/>
+    <p:sldId id="259" r:id="rId6"/>
+    <p:sldId id="260" r:id="rId7"/>
+    <p:sldId id="261" r:id="rId8"/>
+    <p:sldId id="262" r:id="rId9"/>
+    <p:sldId id="263" r:id="rId10"/>
+    <p:sldId id="268" r:id="rId11"/>
+    <p:sldId id="269" r:id="rId12"/>
+    <p:sldId id="265" r:id="rId13"/>
+    <p:sldId id="264" r:id="rId14"/>
+    <p:sldId id="270" r:id="rId15"/>
+    <p:sldId id="272" r:id="rId16"/>
+    <p:sldId id="271" r:id="rId17"/>
+    <p:sldId id="266" r:id="rId18"/>
+    <p:sldId id="273" r:id="rId19"/>
   </p:sldIdLst>
   <p:sldSz cx="12192000" cy="6858000"/>
   <p:notesSz cx="6858000" cy="9144000"/>
@@ -269,7 +276,7 @@
           <a:p>
             <a:fld id="{70540CE1-6440-40FE-B7E4-5C9D4F041BA1}" type="datetimeFigureOut">
               <a:rPr lang="en-US" smtClean="0"/>
-              <a:t>4/18/2022</a:t>
+              <a:t>6/13/2022</a:t>
             </a:fld>
             <a:endParaRPr lang="en-US"/>
           </a:p>
@@ -467,7 +474,7 @@
           <a:p>
             <a:fld id="{70540CE1-6440-40FE-B7E4-5C9D4F041BA1}" type="datetimeFigureOut">
               <a:rPr lang="en-US" smtClean="0"/>
-              <a:t>4/18/2022</a:t>
+              <a:t>6/13/2022</a:t>
             </a:fld>
             <a:endParaRPr lang="en-US"/>
           </a:p>
@@ -675,7 +682,7 @@
           <a:p>
             <a:fld id="{70540CE1-6440-40FE-B7E4-5C9D4F041BA1}" type="datetimeFigureOut">
               <a:rPr lang="en-US" smtClean="0"/>
-              <a:t>4/18/2022</a:t>
+              <a:t>6/13/2022</a:t>
             </a:fld>
             <a:endParaRPr lang="en-US"/>
           </a:p>
@@ -873,7 +880,7 @@
           <a:p>
             <a:fld id="{70540CE1-6440-40FE-B7E4-5C9D4F041BA1}" type="datetimeFigureOut">
               <a:rPr lang="en-US" smtClean="0"/>
-              <a:t>4/18/2022</a:t>
+              <a:t>6/13/2022</a:t>
             </a:fld>
             <a:endParaRPr lang="en-US"/>
           </a:p>
@@ -1148,7 +1155,7 @@
           <a:p>
             <a:fld id="{70540CE1-6440-40FE-B7E4-5C9D4F041BA1}" type="datetimeFigureOut">
               <a:rPr lang="en-US" smtClean="0"/>
-              <a:t>4/18/2022</a:t>
+              <a:t>6/13/2022</a:t>
             </a:fld>
             <a:endParaRPr lang="en-US"/>
           </a:p>
@@ -1413,7 +1420,7 @@
           <a:p>
             <a:fld id="{70540CE1-6440-40FE-B7E4-5C9D4F041BA1}" type="datetimeFigureOut">
               <a:rPr lang="en-US" smtClean="0"/>
-              <a:t>4/18/2022</a:t>
+              <a:t>6/13/2022</a:t>
             </a:fld>
             <a:endParaRPr lang="en-US"/>
           </a:p>
@@ -1825,7 +1832,7 @@
           <a:p>
             <a:fld id="{70540CE1-6440-40FE-B7E4-5C9D4F041BA1}" type="datetimeFigureOut">
               <a:rPr lang="en-US" smtClean="0"/>
-              <a:t>4/18/2022</a:t>
+              <a:t>6/13/2022</a:t>
             </a:fld>
             <a:endParaRPr lang="en-US"/>
           </a:p>
@@ -1966,7 +1973,7 @@
           <a:p>
             <a:fld id="{70540CE1-6440-40FE-B7E4-5C9D4F041BA1}" type="datetimeFigureOut">
               <a:rPr lang="en-US" smtClean="0"/>
-              <a:t>4/18/2022</a:t>
+              <a:t>6/13/2022</a:t>
             </a:fld>
             <a:endParaRPr lang="en-US"/>
           </a:p>
@@ -2079,7 +2086,7 @@
           <a:p>
             <a:fld id="{70540CE1-6440-40FE-B7E4-5C9D4F041BA1}" type="datetimeFigureOut">
               <a:rPr lang="en-US" smtClean="0"/>
-              <a:t>4/18/2022</a:t>
+              <a:t>6/13/2022</a:t>
             </a:fld>
             <a:endParaRPr lang="en-US"/>
           </a:p>
@@ -2390,7 +2397,7 @@
           <a:p>
             <a:fld id="{70540CE1-6440-40FE-B7E4-5C9D4F041BA1}" type="datetimeFigureOut">
               <a:rPr lang="en-US" smtClean="0"/>
-              <a:t>4/18/2022</a:t>
+              <a:t>6/13/2022</a:t>
             </a:fld>
             <a:endParaRPr lang="en-US"/>
           </a:p>
@@ -2678,7 +2685,7 @@
           <a:p>
             <a:fld id="{70540CE1-6440-40FE-B7E4-5C9D4F041BA1}" type="datetimeFigureOut">
               <a:rPr lang="en-US" smtClean="0"/>
-              <a:t>4/18/2022</a:t>
+              <a:t>6/13/2022</a:t>
             </a:fld>
             <a:endParaRPr lang="en-US"/>
           </a:p>
@@ -2919,7 +2926,7 @@
           <a:p>
             <a:fld id="{70540CE1-6440-40FE-B7E4-5C9D4F041BA1}" type="datetimeFigureOut">
               <a:rPr lang="en-US" smtClean="0"/>
-              <a:t>4/18/2022</a:t>
+              <a:t>6/13/2022</a:t>
             </a:fld>
             <a:endParaRPr lang="en-US"/>
           </a:p>
@@ -3427,6 +3434,270 @@
           <p:cNvPr id="2" name="Title 1">
             <a:extLst>
               <a:ext uri="{FF2B5EF4-FFF2-40B4-BE49-F238E27FC236}">
+                <a16:creationId xmlns:a16="http://schemas.microsoft.com/office/drawing/2014/main" id="{01809E92-C42D-4148-9384-09C9E4BEACF3}"/>
+              </a:ext>
+            </a:extLst>
+          </p:cNvPr>
+          <p:cNvSpPr>
+            <a:spLocks noGrp="1"/>
+          </p:cNvSpPr>
+          <p:nvPr>
+            <p:ph type="title"/>
+          </p:nvPr>
+        </p:nvSpPr>
+        <p:spPr/>
+        <p:txBody>
+          <a:bodyPr/>
+          <a:lstStyle/>
+          <a:p>
+            <a:r>
+              <a:rPr lang="en-US" dirty="0"/>
+              <a:t>Hip circumference</a:t>
+            </a:r>
+          </a:p>
+        </p:txBody>
+      </p:sp>
+      <p:pic>
+        <p:nvPicPr>
+          <p:cNvPr id="5" name="Picture 4">
+            <a:extLst>
+              <a:ext uri="{FF2B5EF4-FFF2-40B4-BE49-F238E27FC236}">
+                <a16:creationId xmlns:a16="http://schemas.microsoft.com/office/drawing/2014/main" id="{E8A8648A-6063-51B7-7938-5462DAF260F7}"/>
+              </a:ext>
+            </a:extLst>
+          </p:cNvPr>
+          <p:cNvPicPr>
+            <a:picLocks noChangeAspect="1"/>
+          </p:cNvPicPr>
+          <p:nvPr/>
+        </p:nvPicPr>
+        <p:blipFill>
+          <a:blip r:embed="rId2"/>
+          <a:stretch>
+            <a:fillRect/>
+          </a:stretch>
+        </p:blipFill>
+        <p:spPr>
+          <a:xfrm>
+            <a:off x="637413" y="1314070"/>
+            <a:ext cx="10917174" cy="5449060"/>
+          </a:xfrm>
+          <a:prstGeom prst="rect">
+            <a:avLst/>
+          </a:prstGeom>
+        </p:spPr>
+      </p:pic>
+    </p:spTree>
+    <p:extLst>
+      <p:ext uri="{BB962C8B-B14F-4D97-AF65-F5344CB8AC3E}">
+        <p14:creationId xmlns:p14="http://schemas.microsoft.com/office/powerpoint/2010/main" val="1401587484"/>
+      </p:ext>
+    </p:extLst>
+  </p:cSld>
+  <p:clrMapOvr>
+    <a:masterClrMapping/>
+  </p:clrMapOvr>
+</p:sld>
+</file>
+
+<file path=ppt/slides/slide11.xml><?xml version="1.0" encoding="utf-8"?>
+<p:sld xmlns:a="http://schemas.openxmlformats.org/drawingml/2006/main" xmlns:r="http://schemas.openxmlformats.org/officeDocument/2006/relationships" xmlns:p="http://schemas.openxmlformats.org/presentationml/2006/main">
+  <p:cSld>
+    <p:spTree>
+      <p:nvGrpSpPr>
+        <p:cNvPr id="1" name=""/>
+        <p:cNvGrpSpPr/>
+        <p:nvPr/>
+      </p:nvGrpSpPr>
+      <p:grpSpPr>
+        <a:xfrm>
+          <a:off x="0" y="0"/>
+          <a:ext cx="0" cy="0"/>
+          <a:chOff x="0" y="0"/>
+          <a:chExt cx="0" cy="0"/>
+        </a:xfrm>
+      </p:grpSpPr>
+      <p:sp>
+        <p:nvSpPr>
+          <p:cNvPr id="2" name="Title 1">
+            <a:extLst>
+              <a:ext uri="{FF2B5EF4-FFF2-40B4-BE49-F238E27FC236}">
+                <a16:creationId xmlns:a16="http://schemas.microsoft.com/office/drawing/2014/main" id="{C05AF3AC-6558-4E7D-80BB-1D00B7D45177}"/>
+              </a:ext>
+            </a:extLst>
+          </p:cNvPr>
+          <p:cNvSpPr>
+            <a:spLocks noGrp="1"/>
+          </p:cNvSpPr>
+          <p:nvPr>
+            <p:ph type="title"/>
+          </p:nvPr>
+        </p:nvSpPr>
+        <p:spPr/>
+        <p:txBody>
+          <a:bodyPr/>
+          <a:lstStyle/>
+          <a:p>
+            <a:r>
+              <a:rPr lang="en-US" dirty="0"/>
+              <a:t>Systolic BP</a:t>
+            </a:r>
+          </a:p>
+        </p:txBody>
+      </p:sp>
+      <p:pic>
+        <p:nvPicPr>
+          <p:cNvPr id="5" name="Picture 4">
+            <a:extLst>
+              <a:ext uri="{FF2B5EF4-FFF2-40B4-BE49-F238E27FC236}">
+                <a16:creationId xmlns:a16="http://schemas.microsoft.com/office/drawing/2014/main" id="{542B2C0B-D3C6-7F8E-66B4-38EC663E7708}"/>
+              </a:ext>
+            </a:extLst>
+          </p:cNvPr>
+          <p:cNvPicPr>
+            <a:picLocks noChangeAspect="1"/>
+          </p:cNvPicPr>
+          <p:nvPr/>
+        </p:nvPicPr>
+        <p:blipFill>
+          <a:blip r:embed="rId2"/>
+          <a:stretch>
+            <a:fillRect/>
+          </a:stretch>
+        </p:blipFill>
+        <p:spPr>
+          <a:xfrm>
+            <a:off x="627887" y="1456571"/>
+            <a:ext cx="10936226" cy="5401429"/>
+          </a:xfrm>
+          <a:prstGeom prst="rect">
+            <a:avLst/>
+          </a:prstGeom>
+        </p:spPr>
+      </p:pic>
+    </p:spTree>
+    <p:extLst>
+      <p:ext uri="{BB962C8B-B14F-4D97-AF65-F5344CB8AC3E}">
+        <p14:creationId xmlns:p14="http://schemas.microsoft.com/office/powerpoint/2010/main" val="1675371138"/>
+      </p:ext>
+    </p:extLst>
+  </p:cSld>
+  <p:clrMapOvr>
+    <a:masterClrMapping/>
+  </p:clrMapOvr>
+</p:sld>
+</file>
+
+<file path=ppt/slides/slide12.xml><?xml version="1.0" encoding="utf-8"?>
+<p:sld xmlns:a="http://schemas.openxmlformats.org/drawingml/2006/main" xmlns:r="http://schemas.openxmlformats.org/officeDocument/2006/relationships" xmlns:p="http://schemas.openxmlformats.org/presentationml/2006/main">
+  <p:cSld>
+    <p:spTree>
+      <p:nvGrpSpPr>
+        <p:cNvPr id="1" name=""/>
+        <p:cNvGrpSpPr/>
+        <p:nvPr/>
+      </p:nvGrpSpPr>
+      <p:grpSpPr>
+        <a:xfrm>
+          <a:off x="0" y="0"/>
+          <a:ext cx="0" cy="0"/>
+          <a:chOff x="0" y="0"/>
+          <a:chExt cx="0" cy="0"/>
+        </a:xfrm>
+      </p:grpSpPr>
+      <p:sp>
+        <p:nvSpPr>
+          <p:cNvPr id="2" name="Title 1">
+            <a:extLst>
+              <a:ext uri="{FF2B5EF4-FFF2-40B4-BE49-F238E27FC236}">
+                <a16:creationId xmlns:a16="http://schemas.microsoft.com/office/drawing/2014/main" id="{C05AF3AC-6558-4E7D-80BB-1D00B7D45177}"/>
+              </a:ext>
+            </a:extLst>
+          </p:cNvPr>
+          <p:cNvSpPr>
+            <a:spLocks noGrp="1"/>
+          </p:cNvSpPr>
+          <p:nvPr>
+            <p:ph type="title"/>
+          </p:nvPr>
+        </p:nvSpPr>
+        <p:spPr/>
+        <p:txBody>
+          <a:bodyPr/>
+          <a:lstStyle/>
+          <a:p>
+            <a:r>
+              <a:rPr lang="en-US" dirty="0"/>
+              <a:t>Testosterone</a:t>
+            </a:r>
+          </a:p>
+        </p:txBody>
+      </p:sp>
+      <p:pic>
+        <p:nvPicPr>
+          <p:cNvPr id="4" name="Picture 3">
+            <a:extLst>
+              <a:ext uri="{FF2B5EF4-FFF2-40B4-BE49-F238E27FC236}">
+                <a16:creationId xmlns:a16="http://schemas.microsoft.com/office/drawing/2014/main" id="{A788079B-C545-4359-84D7-0CF28B572901}"/>
+              </a:ext>
+            </a:extLst>
+          </p:cNvPr>
+          <p:cNvPicPr>
+            <a:picLocks noChangeAspect="1"/>
+          </p:cNvPicPr>
+          <p:nvPr/>
+        </p:nvPicPr>
+        <p:blipFill>
+          <a:blip r:embed="rId2"/>
+          <a:stretch>
+            <a:fillRect/>
+          </a:stretch>
+        </p:blipFill>
+        <p:spPr>
+          <a:xfrm>
+            <a:off x="985124" y="1533670"/>
+            <a:ext cx="10221751" cy="5068007"/>
+          </a:xfrm>
+          <a:prstGeom prst="rect">
+            <a:avLst/>
+          </a:prstGeom>
+        </p:spPr>
+      </p:pic>
+    </p:spTree>
+    <p:extLst>
+      <p:ext uri="{BB962C8B-B14F-4D97-AF65-F5344CB8AC3E}">
+        <p14:creationId xmlns:p14="http://schemas.microsoft.com/office/powerpoint/2010/main" val="2429269558"/>
+      </p:ext>
+    </p:extLst>
+  </p:cSld>
+  <p:clrMapOvr>
+    <a:masterClrMapping/>
+  </p:clrMapOvr>
+</p:sld>
+</file>
+
+<file path=ppt/slides/slide13.xml><?xml version="1.0" encoding="utf-8"?>
+<p:sld xmlns:a="http://schemas.openxmlformats.org/drawingml/2006/main" xmlns:r="http://schemas.openxmlformats.org/officeDocument/2006/relationships" xmlns:p="http://schemas.openxmlformats.org/presentationml/2006/main">
+  <p:cSld>
+    <p:spTree>
+      <p:nvGrpSpPr>
+        <p:cNvPr id="1" name=""/>
+        <p:cNvGrpSpPr/>
+        <p:nvPr/>
+      </p:nvGrpSpPr>
+      <p:grpSpPr>
+        <a:xfrm>
+          <a:off x="0" y="0"/>
+          <a:ext cx="0" cy="0"/>
+          <a:chOff x="0" y="0"/>
+          <a:chExt cx="0" cy="0"/>
+        </a:xfrm>
+      </p:grpSpPr>
+      <p:sp>
+        <p:nvSpPr>
+          <p:cNvPr id="2" name="Title 1">
+            <a:extLst>
+              <a:ext uri="{FF2B5EF4-FFF2-40B4-BE49-F238E27FC236}">
                 <a16:creationId xmlns:a16="http://schemas.microsoft.com/office/drawing/2014/main" id="{0032E408-B5E6-479A-B25A-4962FDD2F7E4}"/>
               </a:ext>
             </a:extLst>
@@ -3493,7 +3764,271 @@
 </p:sld>
 </file>
 
-<file path=ppt/slides/slide11.xml><?xml version="1.0" encoding="utf-8"?>
+<file path=ppt/slides/slide14.xml><?xml version="1.0" encoding="utf-8"?>
+<p:sld xmlns:a="http://schemas.openxmlformats.org/drawingml/2006/main" xmlns:r="http://schemas.openxmlformats.org/officeDocument/2006/relationships" xmlns:p="http://schemas.openxmlformats.org/presentationml/2006/main">
+  <p:cSld>
+    <p:spTree>
+      <p:nvGrpSpPr>
+        <p:cNvPr id="1" name=""/>
+        <p:cNvGrpSpPr/>
+        <p:nvPr/>
+      </p:nvGrpSpPr>
+      <p:grpSpPr>
+        <a:xfrm>
+          <a:off x="0" y="0"/>
+          <a:ext cx="0" cy="0"/>
+          <a:chOff x="0" y="0"/>
+          <a:chExt cx="0" cy="0"/>
+        </a:xfrm>
+      </p:grpSpPr>
+      <p:sp>
+        <p:nvSpPr>
+          <p:cNvPr id="2" name="Title 1">
+            <a:extLst>
+              <a:ext uri="{FF2B5EF4-FFF2-40B4-BE49-F238E27FC236}">
+                <a16:creationId xmlns:a16="http://schemas.microsoft.com/office/drawing/2014/main" id="{0032E408-B5E6-479A-B25A-4962FDD2F7E4}"/>
+              </a:ext>
+            </a:extLst>
+          </p:cNvPr>
+          <p:cNvSpPr>
+            <a:spLocks noGrp="1"/>
+          </p:cNvSpPr>
+          <p:nvPr>
+            <p:ph type="title"/>
+          </p:nvPr>
+        </p:nvSpPr>
+        <p:spPr/>
+        <p:txBody>
+          <a:bodyPr/>
+          <a:lstStyle/>
+          <a:p>
+            <a:r>
+              <a:rPr lang="en-US" dirty="0"/>
+              <a:t>Waist circumference</a:t>
+            </a:r>
+          </a:p>
+        </p:txBody>
+      </p:sp>
+      <p:pic>
+        <p:nvPicPr>
+          <p:cNvPr id="5" name="Picture 4">
+            <a:extLst>
+              <a:ext uri="{FF2B5EF4-FFF2-40B4-BE49-F238E27FC236}">
+                <a16:creationId xmlns:a16="http://schemas.microsoft.com/office/drawing/2014/main" id="{5121C6DA-EE47-9D67-DD7E-440BDAC565C2}"/>
+              </a:ext>
+            </a:extLst>
+          </p:cNvPr>
+          <p:cNvPicPr>
+            <a:picLocks noChangeAspect="1"/>
+          </p:cNvPicPr>
+          <p:nvPr/>
+        </p:nvPicPr>
+        <p:blipFill>
+          <a:blip r:embed="rId2"/>
+          <a:stretch>
+            <a:fillRect/>
+          </a:stretch>
+        </p:blipFill>
+        <p:spPr>
+          <a:xfrm>
+            <a:off x="618360" y="1399413"/>
+            <a:ext cx="10955279" cy="5458587"/>
+          </a:xfrm>
+          <a:prstGeom prst="rect">
+            <a:avLst/>
+          </a:prstGeom>
+        </p:spPr>
+      </p:pic>
+    </p:spTree>
+    <p:extLst>
+      <p:ext uri="{BB962C8B-B14F-4D97-AF65-F5344CB8AC3E}">
+        <p14:creationId xmlns:p14="http://schemas.microsoft.com/office/powerpoint/2010/main" val="3810358687"/>
+      </p:ext>
+    </p:extLst>
+  </p:cSld>
+  <p:clrMapOvr>
+    <a:masterClrMapping/>
+  </p:clrMapOvr>
+</p:sld>
+</file>
+
+<file path=ppt/slides/slide15.xml><?xml version="1.0" encoding="utf-8"?>
+<p:sld xmlns:a="http://schemas.openxmlformats.org/drawingml/2006/main" xmlns:r="http://schemas.openxmlformats.org/officeDocument/2006/relationships" xmlns:p="http://schemas.openxmlformats.org/presentationml/2006/main">
+  <p:cSld>
+    <p:spTree>
+      <p:nvGrpSpPr>
+        <p:cNvPr id="1" name=""/>
+        <p:cNvGrpSpPr/>
+        <p:nvPr/>
+      </p:nvGrpSpPr>
+      <p:grpSpPr>
+        <a:xfrm>
+          <a:off x="0" y="0"/>
+          <a:ext cx="0" cy="0"/>
+          <a:chOff x="0" y="0"/>
+          <a:chExt cx="0" cy="0"/>
+        </a:xfrm>
+      </p:grpSpPr>
+      <p:sp>
+        <p:nvSpPr>
+          <p:cNvPr id="2" name="Title 1">
+            <a:extLst>
+              <a:ext uri="{FF2B5EF4-FFF2-40B4-BE49-F238E27FC236}">
+                <a16:creationId xmlns:a16="http://schemas.microsoft.com/office/drawing/2014/main" id="{0032E408-B5E6-479A-B25A-4962FDD2F7E4}"/>
+              </a:ext>
+            </a:extLst>
+          </p:cNvPr>
+          <p:cNvSpPr>
+            <a:spLocks noGrp="1"/>
+          </p:cNvSpPr>
+          <p:nvPr>
+            <p:ph type="title"/>
+          </p:nvPr>
+        </p:nvSpPr>
+        <p:spPr/>
+        <p:txBody>
+          <a:bodyPr/>
+          <a:lstStyle/>
+          <a:p>
+            <a:r>
+              <a:rPr lang="en-US" dirty="0"/>
+              <a:t>Waist to hip ratio</a:t>
+            </a:r>
+          </a:p>
+        </p:txBody>
+      </p:sp>
+      <p:pic>
+        <p:nvPicPr>
+          <p:cNvPr id="5" name="Picture 4">
+            <a:extLst>
+              <a:ext uri="{FF2B5EF4-FFF2-40B4-BE49-F238E27FC236}">
+                <a16:creationId xmlns:a16="http://schemas.microsoft.com/office/drawing/2014/main" id="{CA860ABF-D5C4-A849-0A75-69B3C66EAA82}"/>
+              </a:ext>
+            </a:extLst>
+          </p:cNvPr>
+          <p:cNvPicPr>
+            <a:picLocks noChangeAspect="1"/>
+          </p:cNvPicPr>
+          <p:nvPr/>
+        </p:nvPicPr>
+        <p:blipFill>
+          <a:blip r:embed="rId2"/>
+          <a:stretch>
+            <a:fillRect/>
+          </a:stretch>
+        </p:blipFill>
+        <p:spPr>
+          <a:xfrm>
+            <a:off x="727897" y="1408940"/>
+            <a:ext cx="10964805" cy="5449060"/>
+          </a:xfrm>
+          <a:prstGeom prst="rect">
+            <a:avLst/>
+          </a:prstGeom>
+        </p:spPr>
+      </p:pic>
+    </p:spTree>
+    <p:extLst>
+      <p:ext uri="{BB962C8B-B14F-4D97-AF65-F5344CB8AC3E}">
+        <p14:creationId xmlns:p14="http://schemas.microsoft.com/office/powerpoint/2010/main" val="891588264"/>
+      </p:ext>
+    </p:extLst>
+  </p:cSld>
+  <p:clrMapOvr>
+    <a:masterClrMapping/>
+  </p:clrMapOvr>
+</p:sld>
+</file>
+
+<file path=ppt/slides/slide16.xml><?xml version="1.0" encoding="utf-8"?>
+<p:sld xmlns:a="http://schemas.openxmlformats.org/drawingml/2006/main" xmlns:r="http://schemas.openxmlformats.org/officeDocument/2006/relationships" xmlns:p="http://schemas.openxmlformats.org/presentationml/2006/main">
+  <p:cSld>
+    <p:spTree>
+      <p:nvGrpSpPr>
+        <p:cNvPr id="1" name=""/>
+        <p:cNvGrpSpPr/>
+        <p:nvPr/>
+      </p:nvGrpSpPr>
+      <p:grpSpPr>
+        <a:xfrm>
+          <a:off x="0" y="0"/>
+          <a:ext cx="0" cy="0"/>
+          <a:chOff x="0" y="0"/>
+          <a:chExt cx="0" cy="0"/>
+        </a:xfrm>
+      </p:grpSpPr>
+      <p:sp>
+        <p:nvSpPr>
+          <p:cNvPr id="2" name="Title 1">
+            <a:extLst>
+              <a:ext uri="{FF2B5EF4-FFF2-40B4-BE49-F238E27FC236}">
+                <a16:creationId xmlns:a16="http://schemas.microsoft.com/office/drawing/2014/main" id="{0032E408-B5E6-479A-B25A-4962FDD2F7E4}"/>
+              </a:ext>
+            </a:extLst>
+          </p:cNvPr>
+          <p:cNvSpPr>
+            <a:spLocks noGrp="1"/>
+          </p:cNvSpPr>
+          <p:nvPr>
+            <p:ph type="title"/>
+          </p:nvPr>
+        </p:nvSpPr>
+        <p:spPr/>
+        <p:txBody>
+          <a:bodyPr/>
+          <a:lstStyle/>
+          <a:p>
+            <a:r>
+              <a:rPr lang="en-US" dirty="0"/>
+              <a:t>Weight</a:t>
+            </a:r>
+          </a:p>
+        </p:txBody>
+      </p:sp>
+      <p:pic>
+        <p:nvPicPr>
+          <p:cNvPr id="4" name="Picture 3">
+            <a:extLst>
+              <a:ext uri="{FF2B5EF4-FFF2-40B4-BE49-F238E27FC236}">
+                <a16:creationId xmlns:a16="http://schemas.microsoft.com/office/drawing/2014/main" id="{D2C5E8F7-12D9-AB43-98F8-D503A0167D58}"/>
+              </a:ext>
+            </a:extLst>
+          </p:cNvPr>
+          <p:cNvPicPr>
+            <a:picLocks noChangeAspect="1"/>
+          </p:cNvPicPr>
+          <p:nvPr/>
+        </p:nvPicPr>
+        <p:blipFill>
+          <a:blip r:embed="rId2"/>
+          <a:stretch>
+            <a:fillRect/>
+          </a:stretch>
+        </p:blipFill>
+        <p:spPr>
+          <a:xfrm>
+            <a:off x="623123" y="1389887"/>
+            <a:ext cx="10945753" cy="5468113"/>
+          </a:xfrm>
+          <a:prstGeom prst="rect">
+            <a:avLst/>
+          </a:prstGeom>
+        </p:spPr>
+      </p:pic>
+    </p:spTree>
+    <p:extLst>
+      <p:ext uri="{BB962C8B-B14F-4D97-AF65-F5344CB8AC3E}">
+        <p14:creationId xmlns:p14="http://schemas.microsoft.com/office/powerpoint/2010/main" val="2204304438"/>
+      </p:ext>
+    </p:extLst>
+  </p:cSld>
+  <p:clrMapOvr>
+    <a:masterClrMapping/>
+  </p:clrMapOvr>
+</p:sld>
+</file>
+
+<file path=ppt/slides/slide17.xml><?xml version="1.0" encoding="utf-8"?>
 <p:sld xmlns:a="http://schemas.openxmlformats.org/drawingml/2006/main" xmlns:r="http://schemas.openxmlformats.org/officeDocument/2006/relationships" xmlns:p="http://schemas.openxmlformats.org/presentationml/2006/main">
   <p:cSld>
     <p:spTree>
@@ -3580,6 +4115,99 @@
 </p:sld>
 </file>
 
+<file path=ppt/slides/slide18.xml><?xml version="1.0" encoding="utf-8"?>
+<p:sld xmlns:a="http://schemas.openxmlformats.org/drawingml/2006/main" xmlns:r="http://schemas.openxmlformats.org/officeDocument/2006/relationships" xmlns:p="http://schemas.openxmlformats.org/presentationml/2006/main">
+  <p:cSld>
+    <p:spTree>
+      <p:nvGrpSpPr>
+        <p:cNvPr id="1" name=""/>
+        <p:cNvGrpSpPr/>
+        <p:nvPr/>
+      </p:nvGrpSpPr>
+      <p:grpSpPr>
+        <a:xfrm>
+          <a:off x="0" y="0"/>
+          <a:ext cx="0" cy="0"/>
+          <a:chOff x="0" y="0"/>
+          <a:chExt cx="0" cy="0"/>
+        </a:xfrm>
+      </p:grpSpPr>
+      <p:sp>
+        <p:nvSpPr>
+          <p:cNvPr id="2" name="Title 1">
+            <a:extLst>
+              <a:ext uri="{FF2B5EF4-FFF2-40B4-BE49-F238E27FC236}">
+                <a16:creationId xmlns:a16="http://schemas.microsoft.com/office/drawing/2014/main" id="{82998094-3972-4530-AD2E-5873F6039EAE}"/>
+              </a:ext>
+            </a:extLst>
+          </p:cNvPr>
+          <p:cNvSpPr>
+            <a:spLocks noGrp="1"/>
+          </p:cNvSpPr>
+          <p:nvPr>
+            <p:ph type="title"/>
+          </p:nvPr>
+        </p:nvSpPr>
+        <p:spPr/>
+        <p:txBody>
+          <a:bodyPr/>
+          <a:lstStyle/>
+          <a:p>
+            <a:r>
+              <a:rPr lang="en-US" dirty="0"/>
+              <a:t>BMI adjusted </a:t>
+            </a:r>
+            <a:r>
+              <a:rPr lang="en-US" dirty="0" err="1"/>
+              <a:t>waist:hip</a:t>
+            </a:r>
+            <a:endParaRPr lang="en-US" dirty="0"/>
+          </a:p>
+        </p:txBody>
+      </p:sp>
+      <p:pic>
+        <p:nvPicPr>
+          <p:cNvPr id="5" name="Picture 4">
+            <a:extLst>
+              <a:ext uri="{FF2B5EF4-FFF2-40B4-BE49-F238E27FC236}">
+                <a16:creationId xmlns:a16="http://schemas.microsoft.com/office/drawing/2014/main" id="{C4E5E7CF-74D0-4529-DFC1-385CD068A7E1}"/>
+              </a:ext>
+            </a:extLst>
+          </p:cNvPr>
+          <p:cNvPicPr>
+            <a:picLocks noChangeAspect="1"/>
+          </p:cNvPicPr>
+          <p:nvPr/>
+        </p:nvPicPr>
+        <p:blipFill>
+          <a:blip r:embed="rId2"/>
+          <a:stretch>
+            <a:fillRect/>
+          </a:stretch>
+        </p:blipFill>
+        <p:spPr>
+          <a:xfrm>
+            <a:off x="637413" y="1456566"/>
+            <a:ext cx="10917174" cy="5439534"/>
+          </a:xfrm>
+          <a:prstGeom prst="rect">
+            <a:avLst/>
+          </a:prstGeom>
+        </p:spPr>
+      </p:pic>
+    </p:spTree>
+    <p:extLst>
+      <p:ext uri="{BB962C8B-B14F-4D97-AF65-F5344CB8AC3E}">
+        <p14:creationId xmlns:p14="http://schemas.microsoft.com/office/powerpoint/2010/main" val="671416141"/>
+      </p:ext>
+    </p:extLst>
+  </p:cSld>
+  <p:clrMapOvr>
+    <a:masterClrMapping/>
+  </p:clrMapOvr>
+</p:sld>
+</file>
+
 <file path=ppt/slides/slide2.xml><?xml version="1.0" encoding="utf-8"?>
 <p:sld xmlns:a="http://schemas.openxmlformats.org/drawingml/2006/main" xmlns:r="http://schemas.openxmlformats.org/officeDocument/2006/relationships" xmlns:p="http://schemas.openxmlformats.org/presentationml/2006/main">
   <p:cSld>
@@ -3620,7 +4248,7 @@
           <a:p>
             <a:r>
               <a:rPr lang="en-US" dirty="0"/>
-              <a:t>Arm fat-free mass (R)</a:t>
+              <a:t>Arm fat-free mass (L)</a:t>
             </a:r>
           </a:p>
         </p:txBody>
@@ -3690,6 +4318,94 @@
           <p:cNvPr id="2" name="Title 1">
             <a:extLst>
               <a:ext uri="{FF2B5EF4-FFF2-40B4-BE49-F238E27FC236}">
+                <a16:creationId xmlns:a16="http://schemas.microsoft.com/office/drawing/2014/main" id="{203EA07E-3F0F-41CD-AC90-AB0B1DA6BC53}"/>
+              </a:ext>
+            </a:extLst>
+          </p:cNvPr>
+          <p:cNvSpPr>
+            <a:spLocks noGrp="1"/>
+          </p:cNvSpPr>
+          <p:nvPr>
+            <p:ph type="title"/>
+          </p:nvPr>
+        </p:nvSpPr>
+        <p:spPr/>
+        <p:txBody>
+          <a:bodyPr/>
+          <a:lstStyle/>
+          <a:p>
+            <a:r>
+              <a:rPr lang="en-US" dirty="0"/>
+              <a:t>Arm fat-free mass (R)</a:t>
+            </a:r>
+          </a:p>
+        </p:txBody>
+      </p:sp>
+      <p:pic>
+        <p:nvPicPr>
+          <p:cNvPr id="4" name="Picture 3">
+            <a:extLst>
+              <a:ext uri="{FF2B5EF4-FFF2-40B4-BE49-F238E27FC236}">
+                <a16:creationId xmlns:a16="http://schemas.microsoft.com/office/drawing/2014/main" id="{091AC850-9C5A-4F06-A62A-D67599E6F4B0}"/>
+              </a:ext>
+            </a:extLst>
+          </p:cNvPr>
+          <p:cNvPicPr>
+            <a:picLocks noChangeAspect="1"/>
+          </p:cNvPicPr>
+          <p:nvPr/>
+        </p:nvPicPr>
+        <p:blipFill>
+          <a:blip r:embed="rId2"/>
+          <a:stretch>
+            <a:fillRect/>
+          </a:stretch>
+        </p:blipFill>
+        <p:spPr>
+          <a:xfrm>
+            <a:off x="713609" y="1389887"/>
+            <a:ext cx="10974332" cy="5468113"/>
+          </a:xfrm>
+          <a:prstGeom prst="rect">
+            <a:avLst/>
+          </a:prstGeom>
+        </p:spPr>
+      </p:pic>
+    </p:spTree>
+    <p:extLst>
+      <p:ext uri="{BB962C8B-B14F-4D97-AF65-F5344CB8AC3E}">
+        <p14:creationId xmlns:p14="http://schemas.microsoft.com/office/powerpoint/2010/main" val="1577883413"/>
+      </p:ext>
+    </p:extLst>
+  </p:cSld>
+  <p:clrMapOvr>
+    <a:masterClrMapping/>
+  </p:clrMapOvr>
+</p:sld>
+</file>
+
+<file path=ppt/slides/slide4.xml><?xml version="1.0" encoding="utf-8"?>
+<p:sld xmlns:a="http://schemas.openxmlformats.org/drawingml/2006/main" xmlns:r="http://schemas.openxmlformats.org/officeDocument/2006/relationships" xmlns:p="http://schemas.openxmlformats.org/presentationml/2006/main">
+  <p:cSld>
+    <p:spTree>
+      <p:nvGrpSpPr>
+        <p:cNvPr id="1" name=""/>
+        <p:cNvGrpSpPr/>
+        <p:nvPr/>
+      </p:nvGrpSpPr>
+      <p:grpSpPr>
+        <a:xfrm>
+          <a:off x="0" y="0"/>
+          <a:ext cx="0" cy="0"/>
+          <a:chOff x="0" y="0"/>
+          <a:chExt cx="0" cy="0"/>
+        </a:xfrm>
+      </p:grpSpPr>
+      <p:sp>
+        <p:nvSpPr>
+          <p:cNvPr id="2" name="Title 1">
+            <a:extLst>
+              <a:ext uri="{FF2B5EF4-FFF2-40B4-BE49-F238E27FC236}">
                 <a16:creationId xmlns:a16="http://schemas.microsoft.com/office/drawing/2014/main" id="{9DCAEB3B-9361-4143-978C-AE6F00F5316B}"/>
               </a:ext>
             </a:extLst>
@@ -3756,7 +4472,7 @@
 </p:sld>
 </file>
 
-<file path=ppt/slides/slide4.xml><?xml version="1.0" encoding="utf-8"?>
+<file path=ppt/slides/slide5.xml><?xml version="1.0" encoding="utf-8"?>
 <p:sld xmlns:a="http://schemas.openxmlformats.org/drawingml/2006/main" xmlns:r="http://schemas.openxmlformats.org/officeDocument/2006/relationships" xmlns:p="http://schemas.openxmlformats.org/presentationml/2006/main">
   <p:cSld>
     <p:spTree>
@@ -3844,7 +4560,7 @@
 </p:sld>
 </file>
 
-<file path=ppt/slides/slide5.xml><?xml version="1.0" encoding="utf-8"?>
+<file path=ppt/slides/slide6.xml><?xml version="1.0" encoding="utf-8"?>
 <p:sld xmlns:a="http://schemas.openxmlformats.org/drawingml/2006/main" xmlns:r="http://schemas.openxmlformats.org/officeDocument/2006/relationships" xmlns:p="http://schemas.openxmlformats.org/presentationml/2006/main">
   <p:cSld>
     <p:spTree>
@@ -3932,7 +4648,7 @@
 </p:sld>
 </file>
 
-<file path=ppt/slides/slide6.xml><?xml version="1.0" encoding="utf-8"?>
+<file path=ppt/slides/slide7.xml><?xml version="1.0" encoding="utf-8"?>
 <p:sld xmlns:a="http://schemas.openxmlformats.org/drawingml/2006/main" xmlns:r="http://schemas.openxmlformats.org/officeDocument/2006/relationships" xmlns:p="http://schemas.openxmlformats.org/presentationml/2006/main">
   <p:cSld>
     <p:spTree>
@@ -4020,7 +4736,7 @@
 </p:sld>
 </file>
 
-<file path=ppt/slides/slide7.xml><?xml version="1.0" encoding="utf-8"?>
+<file path=ppt/slides/slide8.xml><?xml version="1.0" encoding="utf-8"?>
 <p:sld xmlns:a="http://schemas.openxmlformats.org/drawingml/2006/main" xmlns:r="http://schemas.openxmlformats.org/officeDocument/2006/relationships" xmlns:p="http://schemas.openxmlformats.org/presentationml/2006/main">
   <p:cSld>
     <p:spTree>
@@ -4108,7 +4824,7 @@
 </p:sld>
 </file>
 
-<file path=ppt/slides/slide8.xml><?xml version="1.0" encoding="utf-8"?>
+<file path=ppt/slides/slide9.xml><?xml version="1.0" encoding="utf-8"?>
 <p:sld xmlns:a="http://schemas.openxmlformats.org/drawingml/2006/main" xmlns:r="http://schemas.openxmlformats.org/officeDocument/2006/relationships" xmlns:p="http://schemas.openxmlformats.org/presentationml/2006/main">
   <p:cSld>
     <p:spTree>
@@ -4187,94 +4903,6 @@
     <p:extLst>
       <p:ext uri="{BB962C8B-B14F-4D97-AF65-F5344CB8AC3E}">
         <p14:creationId xmlns:p14="http://schemas.microsoft.com/office/powerpoint/2010/main" val="1840658358"/>
-      </p:ext>
-    </p:extLst>
-  </p:cSld>
-  <p:clrMapOvr>
-    <a:masterClrMapping/>
-  </p:clrMapOvr>
-</p:sld>
-</file>
-
-<file path=ppt/slides/slide9.xml><?xml version="1.0" encoding="utf-8"?>
-<p:sld xmlns:a="http://schemas.openxmlformats.org/drawingml/2006/main" xmlns:r="http://schemas.openxmlformats.org/officeDocument/2006/relationships" xmlns:p="http://schemas.openxmlformats.org/presentationml/2006/main">
-  <p:cSld>
-    <p:spTree>
-      <p:nvGrpSpPr>
-        <p:cNvPr id="1" name=""/>
-        <p:cNvGrpSpPr/>
-        <p:nvPr/>
-      </p:nvGrpSpPr>
-      <p:grpSpPr>
-        <a:xfrm>
-          <a:off x="0" y="0"/>
-          <a:ext cx="0" cy="0"/>
-          <a:chOff x="0" y="0"/>
-          <a:chExt cx="0" cy="0"/>
-        </a:xfrm>
-      </p:grpSpPr>
-      <p:sp>
-        <p:nvSpPr>
-          <p:cNvPr id="2" name="Title 1">
-            <a:extLst>
-              <a:ext uri="{FF2B5EF4-FFF2-40B4-BE49-F238E27FC236}">
-                <a16:creationId xmlns:a16="http://schemas.microsoft.com/office/drawing/2014/main" id="{C05AF3AC-6558-4E7D-80BB-1D00B7D45177}"/>
-              </a:ext>
-            </a:extLst>
-          </p:cNvPr>
-          <p:cNvSpPr>
-            <a:spLocks noGrp="1"/>
-          </p:cNvSpPr>
-          <p:nvPr>
-            <p:ph type="title"/>
-          </p:nvPr>
-        </p:nvSpPr>
-        <p:spPr/>
-        <p:txBody>
-          <a:bodyPr/>
-          <a:lstStyle/>
-          <a:p>
-            <a:r>
-              <a:rPr lang="en-US" dirty="0"/>
-              <a:t>Testosterone</a:t>
-            </a:r>
-          </a:p>
-        </p:txBody>
-      </p:sp>
-      <p:pic>
-        <p:nvPicPr>
-          <p:cNvPr id="4" name="Picture 3">
-            <a:extLst>
-              <a:ext uri="{FF2B5EF4-FFF2-40B4-BE49-F238E27FC236}">
-                <a16:creationId xmlns:a16="http://schemas.microsoft.com/office/drawing/2014/main" id="{A788079B-C545-4359-84D7-0CF28B572901}"/>
-              </a:ext>
-            </a:extLst>
-          </p:cNvPr>
-          <p:cNvPicPr>
-            <a:picLocks noChangeAspect="1"/>
-          </p:cNvPicPr>
-          <p:nvPr/>
-        </p:nvPicPr>
-        <p:blipFill>
-          <a:blip r:embed="rId2"/>
-          <a:stretch>
-            <a:fillRect/>
-          </a:stretch>
-        </p:blipFill>
-        <p:spPr>
-          <a:xfrm>
-            <a:off x="985124" y="1533670"/>
-            <a:ext cx="10221751" cy="5068007"/>
-          </a:xfrm>
-          <a:prstGeom prst="rect">
-            <a:avLst/>
-          </a:prstGeom>
-        </p:spPr>
-      </p:pic>
-    </p:spTree>
-    <p:extLst>
-      <p:ext uri="{BB962C8B-B14F-4D97-AF65-F5344CB8AC3E}">
-        <p14:creationId xmlns:p14="http://schemas.microsoft.com/office/powerpoint/2010/main" val="2429269558"/>
       </p:ext>
     </p:extLst>
   </p:cSld>
